--- a/214 - Israel, Israel, God is Calling.pptx
+++ b/214 - Israel, Israel, God is Calling.pptx
@@ -115,10 +115,6 @@
 </p:presentation>
 </file>
 
-<file path=ppt/revisionInfo.xml><?xml version="1.0" encoding="utf-8"?>
-<p1510:revInfo xmlns:a="http://schemas.openxmlformats.org/drawingml/2006/main" xmlns:r="http://schemas.openxmlformats.org/officeDocument/2006/relationships" xmlns:p1510="http://schemas.microsoft.com/office/powerpoint/2015/10/main"/>
-</file>
-
 <file path=ppt/slideLayouts/slideLayout1.xml><?xml version="1.0" encoding="utf-8"?>
 <p:sldLayout xmlns:a="http://schemas.openxmlformats.org/drawingml/2006/main" xmlns:r="http://schemas.openxmlformats.org/officeDocument/2006/relationships" xmlns:p="http://schemas.openxmlformats.org/presentationml/2006/main" type="title" preserve="1">
   <p:cSld name="Title Slide">
@@ -248,7 +244,7 @@
           <a:p>
             <a:fld id="{32F7251A-AE54-443C-B8FE-5F636E835EBF}" type="datetimeFigureOut">
               <a:rPr lang="en-US" smtClean="0"/>
-              <a:t>8/27/2017</a:t>
+              <a:t>5/20/2018</a:t>
             </a:fld>
             <a:endParaRPr lang="en-US"/>
           </a:p>
@@ -416,7 +412,7 @@
           <a:p>
             <a:fld id="{32F7251A-AE54-443C-B8FE-5F636E835EBF}" type="datetimeFigureOut">
               <a:rPr lang="en-US" smtClean="0"/>
-              <a:t>8/27/2017</a:t>
+              <a:t>5/20/2018</a:t>
             </a:fld>
             <a:endParaRPr lang="en-US"/>
           </a:p>
@@ -594,7 +590,7 @@
           <a:p>
             <a:fld id="{32F7251A-AE54-443C-B8FE-5F636E835EBF}" type="datetimeFigureOut">
               <a:rPr lang="en-US" smtClean="0"/>
-              <a:t>8/27/2017</a:t>
+              <a:t>5/20/2018</a:t>
             </a:fld>
             <a:endParaRPr lang="en-US"/>
           </a:p>
@@ -762,7 +758,7 @@
           <a:p>
             <a:fld id="{32F7251A-AE54-443C-B8FE-5F636E835EBF}" type="datetimeFigureOut">
               <a:rPr lang="en-US" smtClean="0"/>
-              <a:t>8/27/2017</a:t>
+              <a:t>5/20/2018</a:t>
             </a:fld>
             <a:endParaRPr lang="en-US"/>
           </a:p>
@@ -1007,7 +1003,7 @@
           <a:p>
             <a:fld id="{32F7251A-AE54-443C-B8FE-5F636E835EBF}" type="datetimeFigureOut">
               <a:rPr lang="en-US" smtClean="0"/>
-              <a:t>8/27/2017</a:t>
+              <a:t>5/20/2018</a:t>
             </a:fld>
             <a:endParaRPr lang="en-US"/>
           </a:p>
@@ -1236,7 +1232,7 @@
           <a:p>
             <a:fld id="{32F7251A-AE54-443C-B8FE-5F636E835EBF}" type="datetimeFigureOut">
               <a:rPr lang="en-US" smtClean="0"/>
-              <a:t>8/27/2017</a:t>
+              <a:t>5/20/2018</a:t>
             </a:fld>
             <a:endParaRPr lang="en-US"/>
           </a:p>
@@ -1600,7 +1596,7 @@
           <a:p>
             <a:fld id="{32F7251A-AE54-443C-B8FE-5F636E835EBF}" type="datetimeFigureOut">
               <a:rPr lang="en-US" smtClean="0"/>
-              <a:t>8/27/2017</a:t>
+              <a:t>5/20/2018</a:t>
             </a:fld>
             <a:endParaRPr lang="en-US"/>
           </a:p>
@@ -1717,7 +1713,7 @@
           <a:p>
             <a:fld id="{32F7251A-AE54-443C-B8FE-5F636E835EBF}" type="datetimeFigureOut">
               <a:rPr lang="en-US" smtClean="0"/>
-              <a:t>8/27/2017</a:t>
+              <a:t>5/20/2018</a:t>
             </a:fld>
             <a:endParaRPr lang="en-US"/>
           </a:p>
@@ -1812,7 +1808,7 @@
           <a:p>
             <a:fld id="{32F7251A-AE54-443C-B8FE-5F636E835EBF}" type="datetimeFigureOut">
               <a:rPr lang="en-US" smtClean="0"/>
-              <a:t>8/27/2017</a:t>
+              <a:t>5/20/2018</a:t>
             </a:fld>
             <a:endParaRPr lang="en-US"/>
           </a:p>
@@ -2087,7 +2083,7 @@
           <a:p>
             <a:fld id="{32F7251A-AE54-443C-B8FE-5F636E835EBF}" type="datetimeFigureOut">
               <a:rPr lang="en-US" smtClean="0"/>
-              <a:t>8/27/2017</a:t>
+              <a:t>5/20/2018</a:t>
             </a:fld>
             <a:endParaRPr lang="en-US"/>
           </a:p>
@@ -2339,7 +2335,7 @@
           <a:p>
             <a:fld id="{32F7251A-AE54-443C-B8FE-5F636E835EBF}" type="datetimeFigureOut">
               <a:rPr lang="en-US" smtClean="0"/>
-              <a:t>8/27/2017</a:t>
+              <a:t>5/20/2018</a:t>
             </a:fld>
             <a:endParaRPr lang="en-US"/>
           </a:p>
@@ -2553,7 +2549,7 @@
           <a:p>
             <a:fld id="{32F7251A-AE54-443C-B8FE-5F636E835EBF}" type="datetimeFigureOut">
               <a:rPr lang="en-US" smtClean="0"/>
-              <a:t>8/27/2017</a:t>
+              <a:t>5/20/2018</a:t>
             </a:fld>
             <a:endParaRPr lang="en-US"/>
           </a:p>
@@ -3057,8 +3053,8 @@
         </p:nvSpPr>
         <p:spPr>
           <a:xfrm>
-            <a:off x="0" y="350630"/>
-            <a:ext cx="12192000" cy="5078313"/>
+            <a:off x="0" y="602418"/>
+            <a:ext cx="12192000" cy="4524315"/>
           </a:xfrm>
           <a:prstGeom prst="rect">
             <a:avLst/>
@@ -3158,17 +3154,6 @@
                 </a:solidFill>
               </a:rPr>
               <a:t>Come to Zion,</a:t>
-            </a:r>
-          </a:p>
-          <a:p>
-            <a:pPr algn="ctr"/>
-            <a:r>
-              <a:rPr lang="en-US" sz="3600" dirty="0">
-                <a:solidFill>
-                  <a:schemeClr val="bg1"/>
-                </a:solidFill>
-              </a:rPr>
-              <a:t>Ere His floods of anger flow,</a:t>
             </a:r>
           </a:p>
           <a:p>
@@ -3313,8 +3298,8 @@
         </p:nvSpPr>
         <p:spPr>
           <a:xfrm>
-            <a:off x="0" y="350630"/>
-            <a:ext cx="12192000" cy="5078313"/>
+            <a:off x="0" y="628925"/>
+            <a:ext cx="12192000" cy="4524315"/>
           </a:xfrm>
           <a:prstGeom prst="rect">
             <a:avLst/>
@@ -3398,17 +3383,6 @@
                 </a:solidFill>
               </a:rPr>
               <a:t>Come to Zion,</a:t>
-            </a:r>
-          </a:p>
-          <a:p>
-            <a:pPr algn="ctr"/>
-            <a:r>
-              <a:rPr lang="en-US" sz="3600" dirty="0">
-                <a:solidFill>
-                  <a:schemeClr val="bg1"/>
-                </a:solidFill>
-              </a:rPr>
-              <a:t>And within her walls rejoice,</a:t>
             </a:r>
           </a:p>
           <a:p>
@@ -3553,8 +3527,8 @@
         </p:nvSpPr>
         <p:spPr>
           <a:xfrm>
-            <a:off x="0" y="350630"/>
-            <a:ext cx="12192000" cy="5078313"/>
+            <a:off x="0" y="549410"/>
+            <a:ext cx="12192000" cy="4524315"/>
           </a:xfrm>
           <a:prstGeom prst="rect">
             <a:avLst/>
@@ -3638,17 +3612,6 @@
                 </a:solidFill>
               </a:rPr>
               <a:t>Come to Zion,</a:t>
-            </a:r>
-          </a:p>
-          <a:p>
-            <a:pPr algn="ctr"/>
-            <a:r>
-              <a:rPr lang="en-US" sz="3600" dirty="0">
-                <a:solidFill>
-                  <a:schemeClr val="bg1"/>
-                </a:solidFill>
-              </a:rPr>
-              <a:t>For your coming Lord is nigh,</a:t>
             </a:r>
           </a:p>
           <a:p>
@@ -3793,8 +3756,8 @@
         </p:nvSpPr>
         <p:spPr>
           <a:xfrm>
-            <a:off x="0" y="350630"/>
-            <a:ext cx="12192000" cy="5078313"/>
+            <a:off x="0" y="549410"/>
+            <a:ext cx="12192000" cy="4524315"/>
           </a:xfrm>
           <a:prstGeom prst="rect">
             <a:avLst/>
@@ -3888,40 +3851,8 @@
                   <a:schemeClr val="bg1"/>
                 </a:solidFill>
               </a:rPr>
-              <a:t>Zion’s walls shall ring with praise;</a:t>
-            </a:r>
-          </a:p>
-          <a:p>
-            <a:pPr algn="ctr"/>
-            <a:r>
-              <a:rPr lang="en-US" sz="3600" dirty="0">
-                <a:solidFill>
-                  <a:schemeClr val="bg1"/>
-                </a:solidFill>
-              </a:rPr>
-              <a:t>Zion’s walls shall ring </a:t>
-            </a:r>
-            <a:r>
-              <a:rPr lang="en-US" sz="3600">
-                <a:solidFill>
-                  <a:schemeClr val="bg1"/>
-                </a:solidFill>
-              </a:rPr>
-              <a:t>with praise</a:t>
-            </a:r>
-            <a:r>
-              <a:rPr lang="en-US" sz="3600" dirty="0">
-                <a:solidFill>
-                  <a:schemeClr val="bg1"/>
-                </a:solidFill>
-              </a:rPr>
-              <a:t>.</a:t>
-            </a:r>
-            <a:endParaRPr lang="en-US" sz="3600">
-              <a:solidFill>
-                <a:schemeClr val="bg1"/>
-              </a:solidFill>
-            </a:endParaRPr>
+              <a:t>Zion’s walls shall ring with praise.</a:t>
+            </a:r>
           </a:p>
         </p:txBody>
       </p:sp>

--- a/214 - Israel, Israel, God is Calling.pptx
+++ b/214 - Israel, Israel, God is Calling.pptx
@@ -244,7 +244,7 @@
           <a:p>
             <a:fld id="{32F7251A-AE54-443C-B8FE-5F636E835EBF}" type="datetimeFigureOut">
               <a:rPr lang="en-US" smtClean="0"/>
-              <a:t>5/20/2018</a:t>
+              <a:t>8/16/2020</a:t>
             </a:fld>
             <a:endParaRPr lang="en-US"/>
           </a:p>
@@ -412,7 +412,7 @@
           <a:p>
             <a:fld id="{32F7251A-AE54-443C-B8FE-5F636E835EBF}" type="datetimeFigureOut">
               <a:rPr lang="en-US" smtClean="0"/>
-              <a:t>5/20/2018</a:t>
+              <a:t>8/16/2020</a:t>
             </a:fld>
             <a:endParaRPr lang="en-US"/>
           </a:p>
@@ -590,7 +590,7 @@
           <a:p>
             <a:fld id="{32F7251A-AE54-443C-B8FE-5F636E835EBF}" type="datetimeFigureOut">
               <a:rPr lang="en-US" smtClean="0"/>
-              <a:t>5/20/2018</a:t>
+              <a:t>8/16/2020</a:t>
             </a:fld>
             <a:endParaRPr lang="en-US"/>
           </a:p>
@@ -758,7 +758,7 @@
           <a:p>
             <a:fld id="{32F7251A-AE54-443C-B8FE-5F636E835EBF}" type="datetimeFigureOut">
               <a:rPr lang="en-US" smtClean="0"/>
-              <a:t>5/20/2018</a:t>
+              <a:t>8/16/2020</a:t>
             </a:fld>
             <a:endParaRPr lang="en-US"/>
           </a:p>
@@ -1003,7 +1003,7 @@
           <a:p>
             <a:fld id="{32F7251A-AE54-443C-B8FE-5F636E835EBF}" type="datetimeFigureOut">
               <a:rPr lang="en-US" smtClean="0"/>
-              <a:t>5/20/2018</a:t>
+              <a:t>8/16/2020</a:t>
             </a:fld>
             <a:endParaRPr lang="en-US"/>
           </a:p>
@@ -1232,7 +1232,7 @@
           <a:p>
             <a:fld id="{32F7251A-AE54-443C-B8FE-5F636E835EBF}" type="datetimeFigureOut">
               <a:rPr lang="en-US" smtClean="0"/>
-              <a:t>5/20/2018</a:t>
+              <a:t>8/16/2020</a:t>
             </a:fld>
             <a:endParaRPr lang="en-US"/>
           </a:p>
@@ -1596,7 +1596,7 @@
           <a:p>
             <a:fld id="{32F7251A-AE54-443C-B8FE-5F636E835EBF}" type="datetimeFigureOut">
               <a:rPr lang="en-US" smtClean="0"/>
-              <a:t>5/20/2018</a:t>
+              <a:t>8/16/2020</a:t>
             </a:fld>
             <a:endParaRPr lang="en-US"/>
           </a:p>
@@ -1713,7 +1713,7 @@
           <a:p>
             <a:fld id="{32F7251A-AE54-443C-B8FE-5F636E835EBF}" type="datetimeFigureOut">
               <a:rPr lang="en-US" smtClean="0"/>
-              <a:t>5/20/2018</a:t>
+              <a:t>8/16/2020</a:t>
             </a:fld>
             <a:endParaRPr lang="en-US"/>
           </a:p>
@@ -1808,7 +1808,7 @@
           <a:p>
             <a:fld id="{32F7251A-AE54-443C-B8FE-5F636E835EBF}" type="datetimeFigureOut">
               <a:rPr lang="en-US" smtClean="0"/>
-              <a:t>5/20/2018</a:t>
+              <a:t>8/16/2020</a:t>
             </a:fld>
             <a:endParaRPr lang="en-US"/>
           </a:p>
@@ -2083,7 +2083,7 @@
           <a:p>
             <a:fld id="{32F7251A-AE54-443C-B8FE-5F636E835EBF}" type="datetimeFigureOut">
               <a:rPr lang="en-US" smtClean="0"/>
-              <a:t>5/20/2018</a:t>
+              <a:t>8/16/2020</a:t>
             </a:fld>
             <a:endParaRPr lang="en-US"/>
           </a:p>
@@ -2335,7 +2335,7 @@
           <a:p>
             <a:fld id="{32F7251A-AE54-443C-B8FE-5F636E835EBF}" type="datetimeFigureOut">
               <a:rPr lang="en-US" smtClean="0"/>
-              <a:t>5/20/2018</a:t>
+              <a:t>8/16/2020</a:t>
             </a:fld>
             <a:endParaRPr lang="en-US"/>
           </a:p>
@@ -2402,7 +2402,9 @@
     <p:bg>
       <p:bgPr>
         <a:solidFill>
-          <a:srgbClr val="333333"/>
+          <a:schemeClr val="bg1">
+            <a:lumMod val="10000"/>
+          </a:schemeClr>
         </a:solidFill>
         <a:effectLst/>
       </p:bgPr>
@@ -2549,7 +2551,7 @@
           <a:p>
             <a:fld id="{32F7251A-AE54-443C-B8FE-5F636E835EBF}" type="datetimeFigureOut">
               <a:rPr lang="en-US" smtClean="0"/>
-              <a:t>5/20/2018</a:t>
+              <a:t>8/16/2020</a:t>
             </a:fld>
             <a:endParaRPr lang="en-US"/>
           </a:p>
@@ -3019,8 +3021,8 @@
         </p:nvSpPr>
         <p:spPr>
           <a:xfrm>
-            <a:off x="0" y="5804209"/>
-            <a:ext cx="12192000" cy="830997"/>
+            <a:off x="0" y="5927320"/>
+            <a:ext cx="12192000" cy="584775"/>
           </a:xfrm>
           <a:prstGeom prst="rect">
             <a:avLst/>
@@ -3035,10 +3037,12 @@
           <a:p>
             <a:pPr algn="ctr"/>
             <a:r>
-              <a:rPr lang="en-US" sz="4800" dirty="0">
+              <a:rPr lang="en-US" sz="3200" u="sng" dirty="0">
                 <a:solidFill>
                   <a:schemeClr val="bg1"/>
                 </a:solidFill>
+                <a:latin typeface="Assistant SemiBold" panose="00000700000000000000" pitchFamily="2" charset="-79"/>
+                <a:cs typeface="Assistant SemiBold" panose="00000700000000000000" pitchFamily="2" charset="-79"/>
               </a:rPr>
               <a:t>“Israel, Israel, God is Calling”</a:t>
             </a:r>
@@ -3053,8 +3057,8 @@
         </p:nvSpPr>
         <p:spPr>
           <a:xfrm>
-            <a:off x="0" y="602418"/>
-            <a:ext cx="12192000" cy="4524315"/>
+            <a:off x="0" y="978935"/>
+            <a:ext cx="12192000" cy="3539430"/>
           </a:xfrm>
           <a:prstGeom prst="rect">
             <a:avLst/>
@@ -3069,10 +3073,12 @@
           <a:p>
             <a:pPr algn="ctr"/>
             <a:r>
-              <a:rPr lang="en-US" sz="3600" dirty="0">
+              <a:rPr lang="en-US" sz="2800" spc="50" dirty="0">
                 <a:solidFill>
                   <a:schemeClr val="bg1"/>
                 </a:solidFill>
+                <a:latin typeface="Assistant" panose="00000500000000000000" pitchFamily="2" charset="-79"/>
+                <a:cs typeface="Assistant" panose="00000500000000000000" pitchFamily="2" charset="-79"/>
               </a:rPr>
               <a:t>Israel, Israel, God is calling,</a:t>
             </a:r>
@@ -3080,10 +3086,12 @@
           <a:p>
             <a:pPr algn="ctr"/>
             <a:r>
-              <a:rPr lang="en-US" sz="3600" dirty="0">
+              <a:rPr lang="en-US" sz="2800" spc="50" dirty="0">
                 <a:solidFill>
                   <a:schemeClr val="bg1"/>
                 </a:solidFill>
+                <a:latin typeface="Assistant" panose="00000500000000000000" pitchFamily="2" charset="-79"/>
+                <a:cs typeface="Assistant" panose="00000500000000000000" pitchFamily="2" charset="-79"/>
               </a:rPr>
               <a:t>Calling thee from lands of woe;</a:t>
             </a:r>
@@ -3091,10 +3099,12 @@
           <a:p>
             <a:pPr algn="ctr"/>
             <a:r>
-              <a:rPr lang="en-US" sz="3600" dirty="0">
+              <a:rPr lang="en-US" sz="2800" spc="50" dirty="0">
                 <a:solidFill>
                   <a:schemeClr val="bg1"/>
                 </a:solidFill>
+                <a:latin typeface="Assistant" panose="00000500000000000000" pitchFamily="2" charset="-79"/>
+                <a:cs typeface="Assistant" panose="00000500000000000000" pitchFamily="2" charset="-79"/>
               </a:rPr>
               <a:t>Babylon the great is falling;</a:t>
             </a:r>
@@ -3102,45 +3112,55 @@
           <a:p>
             <a:pPr algn="ctr"/>
             <a:r>
-              <a:rPr lang="en-US" sz="3600" dirty="0">
+              <a:rPr lang="en-US" sz="2800" spc="50" dirty="0">
                 <a:solidFill>
                   <a:schemeClr val="bg1"/>
                 </a:solidFill>
+                <a:latin typeface="Assistant" panose="00000500000000000000" pitchFamily="2" charset="-79"/>
+                <a:cs typeface="Assistant" panose="00000500000000000000" pitchFamily="2" charset="-79"/>
               </a:rPr>
               <a:t>God shall all her towers </a:t>
             </a:r>
             <a:r>
-              <a:rPr lang="en-US" sz="3600" dirty="0" err="1">
+              <a:rPr lang="en-US" sz="2800" spc="50" dirty="0" err="1">
                 <a:solidFill>
                   <a:schemeClr val="bg1"/>
                 </a:solidFill>
+                <a:latin typeface="Assistant" panose="00000500000000000000" pitchFamily="2" charset="-79"/>
+                <a:cs typeface="Assistant" panose="00000500000000000000" pitchFamily="2" charset="-79"/>
               </a:rPr>
               <a:t>o’erthrow</a:t>
             </a:r>
             <a:r>
-              <a:rPr lang="en-US" sz="3600" dirty="0">
+              <a:rPr lang="en-US" sz="2800" spc="50" dirty="0">
                 <a:solidFill>
                   <a:schemeClr val="bg1"/>
                 </a:solidFill>
+                <a:latin typeface="Assistant" panose="00000500000000000000" pitchFamily="2" charset="-79"/>
+                <a:cs typeface="Assistant" panose="00000500000000000000" pitchFamily="2" charset="-79"/>
               </a:rPr>
               <a:t>.</a:t>
             </a:r>
           </a:p>
           <a:p>
             <a:pPr algn="ctr"/>
-            <a:endParaRPr lang="en-US" sz="3600" dirty="0">
+            <a:endParaRPr lang="en-US" sz="2800" spc="50" dirty="0">
               <a:solidFill>
                 <a:schemeClr val="bg1"/>
               </a:solidFill>
+              <a:latin typeface="Assistant" panose="00000500000000000000" pitchFamily="2" charset="-79"/>
+              <a:cs typeface="Assistant" panose="00000500000000000000" pitchFamily="2" charset="-79"/>
             </a:endParaRPr>
           </a:p>
           <a:p>
             <a:pPr algn="ctr"/>
             <a:r>
-              <a:rPr lang="en-US" sz="3600" dirty="0">
+              <a:rPr lang="en-US" sz="2800" spc="50" dirty="0">
                 <a:solidFill>
                   <a:schemeClr val="bg1"/>
                 </a:solidFill>
+                <a:latin typeface="Assistant" panose="00000500000000000000" pitchFamily="2" charset="-79"/>
+                <a:cs typeface="Assistant" panose="00000500000000000000" pitchFamily="2" charset="-79"/>
               </a:rPr>
               <a:t>Come to Zion,</a:t>
             </a:r>
@@ -3148,10 +3168,12 @@
           <a:p>
             <a:pPr algn="ctr"/>
             <a:r>
-              <a:rPr lang="en-US" sz="3600" dirty="0">
+              <a:rPr lang="en-US" sz="2800" spc="50" dirty="0">
                 <a:solidFill>
                   <a:schemeClr val="bg1"/>
                 </a:solidFill>
+                <a:latin typeface="Assistant" panose="00000500000000000000" pitchFamily="2" charset="-79"/>
+                <a:cs typeface="Assistant" panose="00000500000000000000" pitchFamily="2" charset="-79"/>
               </a:rPr>
               <a:t>Come to Zion,</a:t>
             </a:r>
@@ -3159,10 +3181,12 @@
           <a:p>
             <a:pPr algn="ctr"/>
             <a:r>
-              <a:rPr lang="en-US" sz="3600" dirty="0">
+              <a:rPr lang="en-US" sz="2800" spc="50" dirty="0">
                 <a:solidFill>
                   <a:schemeClr val="bg1"/>
                 </a:solidFill>
+                <a:latin typeface="Assistant" panose="00000500000000000000" pitchFamily="2" charset="-79"/>
+                <a:cs typeface="Assistant" panose="00000500000000000000" pitchFamily="2" charset="-79"/>
               </a:rPr>
               <a:t>Ere His floods of anger flow.</a:t>
             </a:r>
@@ -3264,8 +3288,8 @@
         </p:nvSpPr>
         <p:spPr>
           <a:xfrm>
-            <a:off x="0" y="5804209"/>
-            <a:ext cx="12192000" cy="830997"/>
+            <a:off x="0" y="5927320"/>
+            <a:ext cx="12192000" cy="584775"/>
           </a:xfrm>
           <a:prstGeom prst="rect">
             <a:avLst/>
@@ -3280,10 +3304,12 @@
           <a:p>
             <a:pPr algn="ctr"/>
             <a:r>
-              <a:rPr lang="en-US" sz="4800" dirty="0">
+              <a:rPr lang="en-US" sz="3200" u="sng" dirty="0">
                 <a:solidFill>
                   <a:schemeClr val="bg1"/>
                 </a:solidFill>
+                <a:latin typeface="Assistant SemiBold" panose="00000700000000000000" pitchFamily="2" charset="-79"/>
+                <a:cs typeface="Assistant SemiBold" panose="00000700000000000000" pitchFamily="2" charset="-79"/>
               </a:rPr>
               <a:t>“Israel, Israel, God is Calling”</a:t>
             </a:r>
@@ -3298,8 +3324,8 @@
         </p:nvSpPr>
         <p:spPr>
           <a:xfrm>
-            <a:off x="0" y="628925"/>
-            <a:ext cx="12192000" cy="4524315"/>
+            <a:off x="0" y="942689"/>
+            <a:ext cx="12192000" cy="3539430"/>
           </a:xfrm>
           <a:prstGeom prst="rect">
             <a:avLst/>
@@ -3314,10 +3340,12 @@
           <a:p>
             <a:pPr algn="ctr"/>
             <a:r>
-              <a:rPr lang="en-US" sz="3600" dirty="0">
+              <a:rPr lang="en-US" sz="2800" spc="50" dirty="0">
                 <a:solidFill>
                   <a:schemeClr val="bg1"/>
                 </a:solidFill>
+                <a:latin typeface="Assistant" panose="00000500000000000000" pitchFamily="2" charset="-79"/>
+                <a:cs typeface="Assistant" panose="00000500000000000000" pitchFamily="2" charset="-79"/>
               </a:rPr>
               <a:t>Israel, Israel, God is speaking;</a:t>
             </a:r>
@@ -3325,10 +3353,12 @@
           <a:p>
             <a:pPr algn="ctr"/>
             <a:r>
-              <a:rPr lang="en-US" sz="3600" dirty="0">
+              <a:rPr lang="en-US" sz="2800" spc="50" dirty="0">
                 <a:solidFill>
                   <a:schemeClr val="bg1"/>
                 </a:solidFill>
+                <a:latin typeface="Assistant" panose="00000500000000000000" pitchFamily="2" charset="-79"/>
+                <a:cs typeface="Assistant" panose="00000500000000000000" pitchFamily="2" charset="-79"/>
               </a:rPr>
               <a:t>Hear your great deliverer’s voice!</a:t>
             </a:r>
@@ -3336,10 +3366,12 @@
           <a:p>
             <a:pPr algn="ctr"/>
             <a:r>
-              <a:rPr lang="en-US" sz="3600" dirty="0">
+              <a:rPr lang="en-US" sz="2800" spc="50" dirty="0">
                 <a:solidFill>
                   <a:schemeClr val="bg1"/>
                 </a:solidFill>
+                <a:latin typeface="Assistant" panose="00000500000000000000" pitchFamily="2" charset="-79"/>
+                <a:cs typeface="Assistant" panose="00000500000000000000" pitchFamily="2" charset="-79"/>
               </a:rPr>
               <a:t>Now a glorious morn is breaking</a:t>
             </a:r>
@@ -3347,29 +3379,35 @@
           <a:p>
             <a:pPr algn="ctr"/>
             <a:r>
-              <a:rPr lang="en-US" sz="3600" dirty="0">
+              <a:rPr lang="en-US" sz="2800" spc="50" dirty="0">
                 <a:solidFill>
                   <a:schemeClr val="bg1"/>
                 </a:solidFill>
+                <a:latin typeface="Assistant" panose="00000500000000000000" pitchFamily="2" charset="-79"/>
+                <a:cs typeface="Assistant" panose="00000500000000000000" pitchFamily="2" charset="-79"/>
               </a:rPr>
               <a:t>For the people of His choice.</a:t>
             </a:r>
           </a:p>
           <a:p>
             <a:pPr algn="ctr"/>
-            <a:endParaRPr lang="en-US" sz="3600" dirty="0">
+            <a:endParaRPr lang="en-US" sz="2800" spc="50" dirty="0">
               <a:solidFill>
                 <a:schemeClr val="bg1"/>
               </a:solidFill>
+              <a:latin typeface="Assistant" panose="00000500000000000000" pitchFamily="2" charset="-79"/>
+              <a:cs typeface="Assistant" panose="00000500000000000000" pitchFamily="2" charset="-79"/>
             </a:endParaRPr>
           </a:p>
           <a:p>
             <a:pPr algn="ctr"/>
             <a:r>
-              <a:rPr lang="en-US" sz="3600" dirty="0">
+              <a:rPr lang="en-US" sz="2800" spc="50" dirty="0">
                 <a:solidFill>
                   <a:schemeClr val="bg1"/>
                 </a:solidFill>
+                <a:latin typeface="Assistant" panose="00000500000000000000" pitchFamily="2" charset="-79"/>
+                <a:cs typeface="Assistant" panose="00000500000000000000" pitchFamily="2" charset="-79"/>
               </a:rPr>
               <a:t>Come to Zion,</a:t>
             </a:r>
@@ -3377,10 +3415,12 @@
           <a:p>
             <a:pPr algn="ctr"/>
             <a:r>
-              <a:rPr lang="en-US" sz="3600" dirty="0">
+              <a:rPr lang="en-US" sz="2800" spc="50" dirty="0">
                 <a:solidFill>
                   <a:schemeClr val="bg1"/>
                 </a:solidFill>
+                <a:latin typeface="Assistant" panose="00000500000000000000" pitchFamily="2" charset="-79"/>
+                <a:cs typeface="Assistant" panose="00000500000000000000" pitchFamily="2" charset="-79"/>
               </a:rPr>
               <a:t>Come to Zion,</a:t>
             </a:r>
@@ -3388,10 +3428,12 @@
           <a:p>
             <a:pPr algn="ctr"/>
             <a:r>
-              <a:rPr lang="en-US" sz="3600" dirty="0">
+              <a:rPr lang="en-US" sz="2800" spc="50" dirty="0">
                 <a:solidFill>
                   <a:schemeClr val="bg1"/>
                 </a:solidFill>
+                <a:latin typeface="Assistant" panose="00000500000000000000" pitchFamily="2" charset="-79"/>
+                <a:cs typeface="Assistant" panose="00000500000000000000" pitchFamily="2" charset="-79"/>
               </a:rPr>
               <a:t>And within her walls rejoice.</a:t>
             </a:r>
@@ -3493,8 +3535,8 @@
         </p:nvSpPr>
         <p:spPr>
           <a:xfrm>
-            <a:off x="0" y="5804209"/>
-            <a:ext cx="12192000" cy="830997"/>
+            <a:off x="0" y="5927320"/>
+            <a:ext cx="12192000" cy="584775"/>
           </a:xfrm>
           <a:prstGeom prst="rect">
             <a:avLst/>
@@ -3509,10 +3551,12 @@
           <a:p>
             <a:pPr algn="ctr"/>
             <a:r>
-              <a:rPr lang="en-US" sz="4800" dirty="0">
+              <a:rPr lang="en-US" sz="3200" u="sng" dirty="0">
                 <a:solidFill>
                   <a:schemeClr val="bg1"/>
                 </a:solidFill>
+                <a:latin typeface="Assistant SemiBold" panose="00000700000000000000" pitchFamily="2" charset="-79"/>
+                <a:cs typeface="Assistant SemiBold" panose="00000700000000000000" pitchFamily="2" charset="-79"/>
               </a:rPr>
               <a:t>“Israel, Israel, God is Calling”</a:t>
             </a:r>
@@ -3527,8 +3571,8 @@
         </p:nvSpPr>
         <p:spPr>
           <a:xfrm>
-            <a:off x="0" y="549410"/>
-            <a:ext cx="12192000" cy="4524315"/>
+            <a:off x="0" y="997645"/>
+            <a:ext cx="12192000" cy="3539430"/>
           </a:xfrm>
           <a:prstGeom prst="rect">
             <a:avLst/>
@@ -3543,10 +3587,12 @@
           <a:p>
             <a:pPr algn="ctr"/>
             <a:r>
-              <a:rPr lang="en-US" sz="3600" dirty="0">
+              <a:rPr lang="en-US" sz="2800" spc="50" dirty="0">
                 <a:solidFill>
                   <a:schemeClr val="bg1"/>
                 </a:solidFill>
+                <a:latin typeface="Assistant" panose="00000500000000000000" pitchFamily="2" charset="-79"/>
+                <a:cs typeface="Assistant" panose="00000500000000000000" pitchFamily="2" charset="-79"/>
               </a:rPr>
               <a:t>Israel, angels are descending</a:t>
             </a:r>
@@ -3554,10 +3600,12 @@
           <a:p>
             <a:pPr algn="ctr"/>
             <a:r>
-              <a:rPr lang="en-US" sz="3600" dirty="0">
+              <a:rPr lang="en-US" sz="2800" spc="50" dirty="0">
                 <a:solidFill>
                   <a:schemeClr val="bg1"/>
                 </a:solidFill>
+                <a:latin typeface="Assistant" panose="00000500000000000000" pitchFamily="2" charset="-79"/>
+                <a:cs typeface="Assistant" panose="00000500000000000000" pitchFamily="2" charset="-79"/>
               </a:rPr>
               <a:t>From celestial worlds on high,</a:t>
             </a:r>
@@ -3565,10 +3613,12 @@
           <a:p>
             <a:pPr algn="ctr"/>
             <a:r>
-              <a:rPr lang="en-US" sz="3600" dirty="0">
+              <a:rPr lang="en-US" sz="2800" spc="50" dirty="0">
                 <a:solidFill>
                   <a:schemeClr val="bg1"/>
                 </a:solidFill>
+                <a:latin typeface="Assistant" panose="00000500000000000000" pitchFamily="2" charset="-79"/>
+                <a:cs typeface="Assistant" panose="00000500000000000000" pitchFamily="2" charset="-79"/>
               </a:rPr>
               <a:t>And toward man their powers extending,</a:t>
             </a:r>
@@ -3576,29 +3626,35 @@
           <a:p>
             <a:pPr algn="ctr"/>
             <a:r>
-              <a:rPr lang="en-US" sz="3600" dirty="0">
+              <a:rPr lang="en-US" sz="2800" spc="50" dirty="0">
                 <a:solidFill>
                   <a:schemeClr val="bg1"/>
                 </a:solidFill>
+                <a:latin typeface="Assistant" panose="00000500000000000000" pitchFamily="2" charset="-79"/>
+                <a:cs typeface="Assistant" panose="00000500000000000000" pitchFamily="2" charset="-79"/>
               </a:rPr>
               <a:t>That the saints may homeward fly.</a:t>
             </a:r>
           </a:p>
           <a:p>
             <a:pPr algn="ctr"/>
-            <a:endParaRPr lang="en-US" sz="3600" dirty="0">
+            <a:endParaRPr lang="en-US" sz="2800" spc="50" dirty="0">
               <a:solidFill>
                 <a:schemeClr val="bg1"/>
               </a:solidFill>
+              <a:latin typeface="Assistant" panose="00000500000000000000" pitchFamily="2" charset="-79"/>
+              <a:cs typeface="Assistant" panose="00000500000000000000" pitchFamily="2" charset="-79"/>
             </a:endParaRPr>
           </a:p>
           <a:p>
             <a:pPr algn="ctr"/>
             <a:r>
-              <a:rPr lang="en-US" sz="3600" dirty="0">
+              <a:rPr lang="en-US" sz="2800" spc="50" dirty="0">
                 <a:solidFill>
                   <a:schemeClr val="bg1"/>
                 </a:solidFill>
+                <a:latin typeface="Assistant" panose="00000500000000000000" pitchFamily="2" charset="-79"/>
+                <a:cs typeface="Assistant" panose="00000500000000000000" pitchFamily="2" charset="-79"/>
               </a:rPr>
               <a:t>Come to Zion,</a:t>
             </a:r>
@@ -3606,10 +3662,12 @@
           <a:p>
             <a:pPr algn="ctr"/>
             <a:r>
-              <a:rPr lang="en-US" sz="3600" dirty="0">
+              <a:rPr lang="en-US" sz="2800" spc="50" dirty="0">
                 <a:solidFill>
                   <a:schemeClr val="bg1"/>
                 </a:solidFill>
+                <a:latin typeface="Assistant" panose="00000500000000000000" pitchFamily="2" charset="-79"/>
+                <a:cs typeface="Assistant" panose="00000500000000000000" pitchFamily="2" charset="-79"/>
               </a:rPr>
               <a:t>Come to Zion,</a:t>
             </a:r>
@@ -3617,10 +3675,12 @@
           <a:p>
             <a:pPr algn="ctr"/>
             <a:r>
-              <a:rPr lang="en-US" sz="3600" dirty="0">
+              <a:rPr lang="en-US" sz="2800" spc="50" dirty="0">
                 <a:solidFill>
                   <a:schemeClr val="bg1"/>
                 </a:solidFill>
+                <a:latin typeface="Assistant" panose="00000500000000000000" pitchFamily="2" charset="-79"/>
+                <a:cs typeface="Assistant" panose="00000500000000000000" pitchFamily="2" charset="-79"/>
               </a:rPr>
               <a:t>For your coming Lord is nigh.</a:t>
             </a:r>
@@ -3722,8 +3782,8 @@
         </p:nvSpPr>
         <p:spPr>
           <a:xfrm>
-            <a:off x="0" y="5804209"/>
-            <a:ext cx="12192000" cy="830997"/>
+            <a:off x="0" y="5927320"/>
+            <a:ext cx="12192000" cy="584775"/>
           </a:xfrm>
           <a:prstGeom prst="rect">
             <a:avLst/>
@@ -3738,10 +3798,12 @@
           <a:p>
             <a:pPr algn="ctr"/>
             <a:r>
-              <a:rPr lang="en-US" sz="4800" dirty="0">
+              <a:rPr lang="en-US" sz="3200" u="sng" dirty="0">
                 <a:solidFill>
                   <a:schemeClr val="bg1"/>
                 </a:solidFill>
+                <a:latin typeface="Assistant SemiBold" panose="00000700000000000000" pitchFamily="2" charset="-79"/>
+                <a:cs typeface="Assistant SemiBold" panose="00000700000000000000" pitchFamily="2" charset="-79"/>
               </a:rPr>
               <a:t>“Israel, Israel, God is Calling”</a:t>
             </a:r>
@@ -3756,8 +3818,8 @@
         </p:nvSpPr>
         <p:spPr>
           <a:xfrm>
-            <a:off x="0" y="549410"/>
-            <a:ext cx="12192000" cy="4524315"/>
+            <a:off x="0" y="970751"/>
+            <a:ext cx="12192000" cy="3539430"/>
           </a:xfrm>
           <a:prstGeom prst="rect">
             <a:avLst/>
@@ -3772,10 +3834,12 @@
           <a:p>
             <a:pPr algn="ctr"/>
             <a:r>
-              <a:rPr lang="en-US" sz="3600" dirty="0">
+              <a:rPr lang="en-US" sz="2800" spc="50" dirty="0">
                 <a:solidFill>
                   <a:schemeClr val="bg1"/>
                 </a:solidFill>
+                <a:latin typeface="Assistant" panose="00000500000000000000" pitchFamily="2" charset="-79"/>
+                <a:cs typeface="Assistant" panose="00000500000000000000" pitchFamily="2" charset="-79"/>
               </a:rPr>
               <a:t>Israel, Israel, canst thou linger</a:t>
             </a:r>
@@ -3783,10 +3847,12 @@
           <a:p>
             <a:pPr algn="ctr"/>
             <a:r>
-              <a:rPr lang="en-US" sz="3600" dirty="0">
+              <a:rPr lang="en-US" sz="2800" spc="50" dirty="0">
                 <a:solidFill>
                   <a:schemeClr val="bg1"/>
                 </a:solidFill>
+                <a:latin typeface="Assistant" panose="00000500000000000000" pitchFamily="2" charset="-79"/>
+                <a:cs typeface="Assistant" panose="00000500000000000000" pitchFamily="2" charset="-79"/>
               </a:rPr>
               <a:t>Still in error’s gloomy ways?</a:t>
             </a:r>
@@ -3794,10 +3860,12 @@
           <a:p>
             <a:pPr algn="ctr"/>
             <a:r>
-              <a:rPr lang="en-US" sz="3600" dirty="0">
+              <a:rPr lang="en-US" sz="2800" spc="50" dirty="0">
                 <a:solidFill>
                   <a:schemeClr val="bg1"/>
                 </a:solidFill>
+                <a:latin typeface="Assistant" panose="00000500000000000000" pitchFamily="2" charset="-79"/>
+                <a:cs typeface="Assistant" panose="00000500000000000000" pitchFamily="2" charset="-79"/>
               </a:rPr>
               <a:t>Mark how judgement’s pointing finger</a:t>
             </a:r>
@@ -3805,29 +3873,35 @@
           <a:p>
             <a:pPr algn="ctr"/>
             <a:r>
-              <a:rPr lang="en-US" sz="3600" dirty="0">
+              <a:rPr lang="en-US" sz="2800" spc="50" dirty="0">
                 <a:solidFill>
                   <a:schemeClr val="bg1"/>
                 </a:solidFill>
+                <a:latin typeface="Assistant" panose="00000500000000000000" pitchFamily="2" charset="-79"/>
+                <a:cs typeface="Assistant" panose="00000500000000000000" pitchFamily="2" charset="-79"/>
               </a:rPr>
               <a:t>Justifies no vain delays.</a:t>
             </a:r>
           </a:p>
           <a:p>
             <a:pPr algn="ctr"/>
-            <a:endParaRPr lang="en-US" sz="3600" dirty="0">
+            <a:endParaRPr lang="en-US" sz="2800" spc="50" dirty="0">
               <a:solidFill>
                 <a:schemeClr val="bg1"/>
               </a:solidFill>
+              <a:latin typeface="Assistant" panose="00000500000000000000" pitchFamily="2" charset="-79"/>
+              <a:cs typeface="Assistant" panose="00000500000000000000" pitchFamily="2" charset="-79"/>
             </a:endParaRPr>
           </a:p>
           <a:p>
             <a:pPr algn="ctr"/>
             <a:r>
-              <a:rPr lang="en-US" sz="3600" dirty="0">
+              <a:rPr lang="en-US" sz="2800" spc="50" dirty="0">
                 <a:solidFill>
                   <a:schemeClr val="bg1"/>
                 </a:solidFill>
+                <a:latin typeface="Assistant" panose="00000500000000000000" pitchFamily="2" charset="-79"/>
+                <a:cs typeface="Assistant" panose="00000500000000000000" pitchFamily="2" charset="-79"/>
               </a:rPr>
               <a:t>Come to Zion,</a:t>
             </a:r>
@@ -3835,10 +3909,12 @@
           <a:p>
             <a:pPr algn="ctr"/>
             <a:r>
-              <a:rPr lang="en-US" sz="3600" dirty="0">
+              <a:rPr lang="en-US" sz="2800" spc="50" dirty="0">
                 <a:solidFill>
                   <a:schemeClr val="bg1"/>
                 </a:solidFill>
+                <a:latin typeface="Assistant" panose="00000500000000000000" pitchFamily="2" charset="-79"/>
+                <a:cs typeface="Assistant" panose="00000500000000000000" pitchFamily="2" charset="-79"/>
               </a:rPr>
               <a:t>Come to Zion;</a:t>
             </a:r>
@@ -3846,10 +3922,12 @@
           <a:p>
             <a:pPr algn="ctr"/>
             <a:r>
-              <a:rPr lang="en-US" sz="3600" dirty="0">
+              <a:rPr lang="en-US" sz="2800" spc="50" dirty="0">
                 <a:solidFill>
                   <a:schemeClr val="bg1"/>
                 </a:solidFill>
+                <a:latin typeface="Assistant" panose="00000500000000000000" pitchFamily="2" charset="-79"/>
+                <a:cs typeface="Assistant" panose="00000500000000000000" pitchFamily="2" charset="-79"/>
               </a:rPr>
               <a:t>Zion’s walls shall ring with praise.</a:t>
             </a:r>
